--- a/lessons/D_Supervised/Day4_vid1.pptx
+++ b/lessons/D_Supervised/Day4_vid1.pptx
@@ -225,7 +225,7 @@
           <a:p>
             <a:fld id="{B0C0A60C-850A-4EA4-9C14-A8FE98B94505}" type="datetimeFigureOut">
               <a:rPr lang="en-US" smtClean="0"/>
-              <a:t>6/3/20</a:t>
+              <a:t>1/2/21</a:t>
             </a:fld>
             <a:endParaRPr lang="en-US"/>
           </a:p>
@@ -1486,7 +1486,7 @@
           <a:p>
             <a:fld id="{5738B90E-0779-4C36-915C-6F05FCD89456}" type="datetime1">
               <a:rPr lang="en-US" smtClean="0"/>
-              <a:t>6/3/20</a:t>
+              <a:t>1/2/21</a:t>
             </a:fld>
             <a:endParaRPr lang="en-US"/>
           </a:p>
@@ -1683,7 +1683,7 @@
           <a:p>
             <a:fld id="{7B9EA29D-D431-42FE-B7B6-AAE4454C77D3}" type="datetime1">
               <a:rPr lang="en-US" smtClean="0"/>
-              <a:t>6/3/20</a:t>
+              <a:t>1/2/21</a:t>
             </a:fld>
             <a:endParaRPr lang="en-US"/>
           </a:p>
@@ -2038,7 +2038,7 @@
           <a:p>
             <a:fld id="{690D8A1E-EA8F-46C1-B891-AE0C00D9C314}" type="datetime1">
               <a:rPr lang="en-US" smtClean="0"/>
-              <a:t>6/3/20</a:t>
+              <a:t>1/2/21</a:t>
             </a:fld>
             <a:endParaRPr lang="en-US"/>
           </a:p>
@@ -2346,7 +2346,7 @@
           <a:p>
             <a:fld id="{D753EFC8-4232-4598-94F6-94C0EBAFC469}" type="datetime1">
               <a:rPr lang="en-US" smtClean="0"/>
-              <a:t>6/3/20</a:t>
+              <a:t>1/2/21</a:t>
             </a:fld>
             <a:endParaRPr lang="en-US"/>
           </a:p>
@@ -2675,7 +2675,7 @@
           <a:p>
             <a:fld id="{F3161074-1C18-4AE7-957D-F18524378C85}" type="datetime1">
               <a:rPr lang="en-US" smtClean="0"/>
-              <a:t>6/3/20</a:t>
+              <a:t>1/2/21</a:t>
             </a:fld>
             <a:endParaRPr lang="en-US"/>
           </a:p>
@@ -2928,7 +2928,7 @@
           <a:p>
             <a:fld id="{69BE256C-8D9A-4404-B47D-41A1AE514425}" type="datetime1">
               <a:rPr lang="en-US" smtClean="0"/>
-              <a:t>6/3/20</a:t>
+              <a:t>1/2/21</a:t>
             </a:fld>
             <a:endParaRPr lang="en-US"/>
           </a:p>
@@ -3376,7 +3376,7 @@
           <a:p>
             <a:fld id="{66CB2154-9035-4012-8189-BAAB61C5A5EE}" type="datetime1">
               <a:rPr lang="en-US" smtClean="0"/>
-              <a:t>6/3/20</a:t>
+              <a:t>1/2/21</a:t>
             </a:fld>
             <a:endParaRPr lang="en-US"/>
           </a:p>
@@ -3564,7 +3564,7 @@
           <a:p>
             <a:fld id="{6700A58B-DD98-43D0-B791-721480A02982}" type="datetime1">
               <a:rPr lang="en-US" smtClean="0"/>
-              <a:t>6/3/20</a:t>
+              <a:t>1/2/21</a:t>
             </a:fld>
             <a:endParaRPr lang="en-US"/>
           </a:p>
@@ -3770,7 +3770,7 @@
           <a:p>
             <a:fld id="{7DB6E382-4F61-4E24-BE1A-377EC83D0E3A}" type="datetime1">
               <a:rPr lang="en-US" smtClean="0"/>
-              <a:t>6/3/20</a:t>
+              <a:t>1/2/21</a:t>
             </a:fld>
             <a:endParaRPr lang="en-US"/>
           </a:p>
@@ -4176,7 +4176,7 @@
           <a:p>
             <a:fld id="{4142EED6-FC16-45B9-B8C4-2BC5DBA88325}" type="datetime1">
               <a:rPr lang="en-US" smtClean="0"/>
-              <a:t>6/3/20</a:t>
+              <a:t>1/2/21</a:t>
             </a:fld>
             <a:endParaRPr lang="en-US"/>
           </a:p>
@@ -4508,7 +4508,7 @@
           <a:p>
             <a:fld id="{DF59512B-4F1D-43D7-8819-2F53FEF69650}" type="datetime1">
               <a:rPr lang="en-US" smtClean="0"/>
-              <a:t>6/3/20</a:t>
+              <a:t>1/2/21</a:t>
             </a:fld>
             <a:endParaRPr lang="en-US"/>
           </a:p>
@@ -4798,7 +4798,7 @@
           <a:p>
             <a:fld id="{08437B94-E2BF-44DC-ADC5-B05FC9934E9D}" type="datetime1">
               <a:rPr lang="en-US" smtClean="0"/>
-              <a:t>6/3/20</a:t>
+              <a:t>1/2/21</a:t>
             </a:fld>
             <a:endParaRPr lang="en-US"/>
           </a:p>
@@ -5323,7 +5323,7 @@
             <a:fld id="{5738B90E-0779-4C36-915C-6F05FCD89456}" type="datetime1">
               <a:rPr lang="en-US" smtClean="0"/>
               <a:pPr/>
-              <a:t>6/3/20</a:t>
+              <a:t>1/2/21</a:t>
             </a:fld>
             <a:endParaRPr lang="en-US"/>
           </a:p>
@@ -5424,7 +5424,7 @@
             <a:fld id="{6700A58B-DD98-43D0-B791-721480A02982}" type="datetime1">
               <a:rPr lang="en-US" smtClean="0"/>
               <a:pPr/>
-              <a:t>6/3/20</a:t>
+              <a:t>1/2/21</a:t>
             </a:fld>
             <a:endParaRPr lang="en-US"/>
           </a:p>
@@ -5455,29 +5455,6 @@
               <a:t>The linear combination equation captures information</a:t>
             </a:r>
             <a:endParaRPr lang="en-US" sz="3200" dirty="0"/>
-          </a:p>
-        </p:txBody>
-      </p:sp>
-      <p:sp>
-        <p:nvSpPr>
-          <p:cNvPr id="5" name="Footer Placeholder 4"/>
-          <p:cNvSpPr>
-            <a:spLocks noGrp="1"/>
-          </p:cNvSpPr>
-          <p:nvPr>
-            <p:ph type="ftr" sz="quarter" idx="3"/>
-          </p:nvPr>
-        </p:nvSpPr>
-        <p:spPr/>
-        <p:txBody>
-          <a:bodyPr/>
-          <a:lstStyle/>
-          <a:p>
-            <a:r>
-              <a:rPr lang="en-US"/>
-              <a:t>Kwartler CSCI S-96</a:t>
-            </a:r>
-            <a:endParaRPr lang="en-US" dirty="0"/>
           </a:p>
         </p:txBody>
       </p:sp>
@@ -6696,6 +6673,40 @@
           </a:fontRef>
         </p:style>
       </p:cxnSp>
+      <p:sp>
+        <p:nvSpPr>
+          <p:cNvPr id="23" name="Footer Placeholder 3">
+            <a:extLst>
+              <a:ext uri="{FF2B5EF4-FFF2-40B4-BE49-F238E27FC236}">
+                <a16:creationId xmlns:a16="http://schemas.microsoft.com/office/drawing/2014/main" id="{D6BD766B-1A0F-0E48-9B8C-661144D0BFB4}"/>
+              </a:ext>
+            </a:extLst>
+          </p:cNvPr>
+          <p:cNvSpPr>
+            <a:spLocks noGrp="1"/>
+          </p:cNvSpPr>
+          <p:nvPr>
+            <p:ph type="ftr" sz="quarter" idx="3"/>
+          </p:nvPr>
+        </p:nvSpPr>
+        <p:spPr>
+          <a:xfrm>
+            <a:off x="3028950" y="6356351"/>
+            <a:ext cx="3086100" cy="365125"/>
+          </a:xfrm>
+        </p:spPr>
+        <p:txBody>
+          <a:bodyPr/>
+          <a:lstStyle/>
+          <a:p>
+            <a:r>
+              <a:rPr lang="en-US"/>
+              <a:t>Kwartler</a:t>
+            </a:r>
+            <a:endParaRPr lang="en-US" dirty="0"/>
+          </a:p>
+        </p:txBody>
+      </p:sp>
     </p:spTree>
     <p:extLst>
       <p:ext uri="{BB962C8B-B14F-4D97-AF65-F5344CB8AC3E}">
@@ -6773,7 +6784,7 @@
             <a:fld id="{9B19E99B-5349-415A-8E56-8E989211A366}" type="datetime1">
               <a:rPr lang="en-US" smtClean="0"/>
               <a:pPr/>
-              <a:t>6/3/20</a:t>
+              <a:t>1/2/21</a:t>
             </a:fld>
             <a:endParaRPr lang="en-US"/>
           </a:p>
@@ -7325,7 +7336,7 @@
             <a:fld id="{6700A58B-DD98-43D0-B791-721480A02982}" type="datetime1">
               <a:rPr lang="en-US" smtClean="0"/>
               <a:pPr/>
-              <a:t>6/3/20</a:t>
+              <a:t>1/2/21</a:t>
             </a:fld>
             <a:endParaRPr lang="en-US"/>
           </a:p>
@@ -7349,29 +7360,6 @@
             <a:r>
               <a:rPr lang="en-US"/>
               <a:t>Let’s Practice</a:t>
-            </a:r>
-            <a:endParaRPr lang="en-US" dirty="0"/>
-          </a:p>
-        </p:txBody>
-      </p:sp>
-      <p:sp>
-        <p:nvSpPr>
-          <p:cNvPr id="5" name="Footer Placeholder 4"/>
-          <p:cNvSpPr>
-            <a:spLocks noGrp="1"/>
-          </p:cNvSpPr>
-          <p:nvPr>
-            <p:ph type="ftr" sz="quarter" idx="3"/>
-          </p:nvPr>
-        </p:nvSpPr>
-        <p:spPr/>
-        <p:txBody>
-          <a:bodyPr/>
-          <a:lstStyle/>
-          <a:p>
-            <a:r>
-              <a:rPr lang="en-US"/>
-              <a:t>Kwartler CSCI S-96</a:t>
             </a:r>
             <a:endParaRPr lang="en-US" dirty="0"/>
           </a:p>
@@ -7596,6 +7584,40 @@
           </a:fontRef>
         </p:style>
       </p:cxnSp>
+      <p:sp>
+        <p:nvSpPr>
+          <p:cNvPr id="11" name="Footer Placeholder 3">
+            <a:extLst>
+              <a:ext uri="{FF2B5EF4-FFF2-40B4-BE49-F238E27FC236}">
+                <a16:creationId xmlns:a16="http://schemas.microsoft.com/office/drawing/2014/main" id="{73087149-DB3A-244E-8D9D-0ECD6ABDECDC}"/>
+              </a:ext>
+            </a:extLst>
+          </p:cNvPr>
+          <p:cNvSpPr>
+            <a:spLocks noGrp="1"/>
+          </p:cNvSpPr>
+          <p:nvPr>
+            <p:ph type="ftr" sz="quarter" idx="3"/>
+          </p:nvPr>
+        </p:nvSpPr>
+        <p:spPr>
+          <a:xfrm>
+            <a:off x="3028950" y="6356351"/>
+            <a:ext cx="3086100" cy="365125"/>
+          </a:xfrm>
+        </p:spPr>
+        <p:txBody>
+          <a:bodyPr/>
+          <a:lstStyle/>
+          <a:p>
+            <a:r>
+              <a:rPr lang="en-US"/>
+              <a:t>Kwartler</a:t>
+            </a:r>
+            <a:endParaRPr lang="en-US" dirty="0"/>
+          </a:p>
+        </p:txBody>
+      </p:sp>
     </p:spTree>
     <p:extLst>
       <p:ext uri="{BB962C8B-B14F-4D97-AF65-F5344CB8AC3E}">
@@ -7649,7 +7671,7 @@
           <a:p>
             <a:fld id="{6700A58B-DD98-43D0-B791-721480A02982}" type="datetime1">
               <a:rPr lang="en-US" smtClean="0"/>
-              <a:t>6/3/20</a:t>
+              <a:t>1/2/21</a:t>
             </a:fld>
             <a:endParaRPr lang="en-US"/>
           </a:p>
@@ -9616,38 +9638,9 @@
             <a:fld id="{D753EFC8-4232-4598-94F6-94C0EBAFC469}" type="datetime1">
               <a:rPr lang="en-US" smtClean="0"/>
               <a:pPr/>
-              <a:t>6/3/20</a:t>
+              <a:t>1/2/21</a:t>
             </a:fld>
             <a:endParaRPr lang="en-US"/>
-          </a:p>
-        </p:txBody>
-      </p:sp>
-      <p:sp>
-        <p:nvSpPr>
-          <p:cNvPr id="7" name="Footer Placeholder 5">
-            <a:extLst>
-              <a:ext uri="{FF2B5EF4-FFF2-40B4-BE49-F238E27FC236}">
-                <a16:creationId xmlns:a16="http://schemas.microsoft.com/office/drawing/2014/main" id="{CC81D18C-4058-4039-896D-D0DA6CD70C88}"/>
-              </a:ext>
-            </a:extLst>
-          </p:cNvPr>
-          <p:cNvSpPr>
-            <a:spLocks noGrp="1"/>
-          </p:cNvSpPr>
-          <p:nvPr>
-            <p:ph type="ftr" sz="quarter" idx="3"/>
-          </p:nvPr>
-        </p:nvSpPr>
-        <p:spPr/>
-        <p:txBody>
-          <a:bodyPr/>
-          <a:lstStyle/>
-          <a:p>
-            <a:r>
-              <a:rPr lang="en-US"/>
-              <a:t>Kwartler CSCI S-96</a:t>
-            </a:r>
-            <a:endParaRPr lang="en-US" dirty="0"/>
           </a:p>
         </p:txBody>
       </p:sp>
@@ -10725,6 +10718,40 @@
           </a:fontRef>
         </p:style>
       </p:cxnSp>
+      <p:sp>
+        <p:nvSpPr>
+          <p:cNvPr id="26" name="Footer Placeholder 3">
+            <a:extLst>
+              <a:ext uri="{FF2B5EF4-FFF2-40B4-BE49-F238E27FC236}">
+                <a16:creationId xmlns:a16="http://schemas.microsoft.com/office/drawing/2014/main" id="{2CE3A57F-E6C2-9444-8FDE-E3332673C473}"/>
+              </a:ext>
+            </a:extLst>
+          </p:cNvPr>
+          <p:cNvSpPr>
+            <a:spLocks noGrp="1"/>
+          </p:cNvSpPr>
+          <p:nvPr>
+            <p:ph type="ftr" sz="quarter" idx="3"/>
+          </p:nvPr>
+        </p:nvSpPr>
+        <p:spPr>
+          <a:xfrm>
+            <a:off x="3028950" y="6356351"/>
+            <a:ext cx="3086100" cy="365125"/>
+          </a:xfrm>
+        </p:spPr>
+        <p:txBody>
+          <a:bodyPr/>
+          <a:lstStyle/>
+          <a:p>
+            <a:r>
+              <a:rPr lang="en-US"/>
+              <a:t>Kwartler</a:t>
+            </a:r>
+            <a:endParaRPr lang="en-US" dirty="0"/>
+          </a:p>
+        </p:txBody>
+      </p:sp>
     </p:spTree>
     <p:extLst>
       <p:ext uri="{BB962C8B-B14F-4D97-AF65-F5344CB8AC3E}">
@@ -11181,7 +11208,7 @@
             <a:fld id="{9B19E99B-5349-415A-8E56-8E989211A366}" type="datetime1">
               <a:rPr lang="en-US" smtClean="0"/>
               <a:pPr/>
-              <a:t>6/3/20</a:t>
+              <a:t>1/2/21</a:t>
             </a:fld>
             <a:endParaRPr lang="en-US"/>
           </a:p>
@@ -12771,7 +12798,7 @@
             <a:fld id="{9B19E99B-5349-415A-8E56-8E989211A366}" type="datetime1">
               <a:rPr lang="en-US" smtClean="0"/>
               <a:pPr/>
-              <a:t>6/3/20</a:t>
+              <a:t>1/2/21</a:t>
             </a:fld>
             <a:endParaRPr lang="en-US"/>
           </a:p>
@@ -14557,7 +14584,7 @@
             <a:fld id="{9B19E99B-5349-415A-8E56-8E989211A366}" type="datetime1">
               <a:rPr lang="en-US" smtClean="0"/>
               <a:pPr/>
-              <a:t>6/3/20</a:t>
+              <a:t>1/2/21</a:t>
             </a:fld>
             <a:endParaRPr lang="en-US"/>
           </a:p>
@@ -16028,7 +16055,7 @@
           <a:p>
             <a:fld id="{6700A58B-DD98-43D0-B791-721480A02982}" type="datetime1">
               <a:rPr lang="en-US" smtClean="0"/>
-              <a:t>6/3/20</a:t>
+              <a:t>1/2/21</a:t>
             </a:fld>
             <a:endParaRPr lang="en-US"/>
           </a:p>
@@ -16377,7 +16404,7 @@
             <a:fld id="{6700A58B-DD98-43D0-B791-721480A02982}" type="datetime1">
               <a:rPr lang="en-US" smtClean="0"/>
               <a:pPr/>
-              <a:t>6/3/20</a:t>
+              <a:t>1/2/21</a:t>
             </a:fld>
             <a:endParaRPr lang="en-US"/>
           </a:p>
@@ -16401,29 +16428,6 @@
             <a:r>
               <a:rPr lang="en-US"/>
               <a:t>Supervised Learning Example</a:t>
-            </a:r>
-            <a:endParaRPr lang="en-US" dirty="0"/>
-          </a:p>
-        </p:txBody>
-      </p:sp>
-      <p:sp>
-        <p:nvSpPr>
-          <p:cNvPr id="5" name="Footer Placeholder 4"/>
-          <p:cNvSpPr>
-            <a:spLocks noGrp="1"/>
-          </p:cNvSpPr>
-          <p:nvPr>
-            <p:ph type="ftr" sz="quarter" idx="3"/>
-          </p:nvPr>
-        </p:nvSpPr>
-        <p:spPr/>
-        <p:txBody>
-          <a:bodyPr/>
-          <a:lstStyle/>
-          <a:p>
-            <a:r>
-              <a:rPr lang="en-US"/>
-              <a:t>Kwartler CSCI S-96</a:t>
             </a:r>
             <a:endParaRPr lang="en-US" dirty="0"/>
           </a:p>
@@ -16775,6 +16779,40 @@
           </a:fontRef>
         </p:style>
       </p:cxnSp>
+      <p:sp>
+        <p:nvSpPr>
+          <p:cNvPr id="14" name="Footer Placeholder 3">
+            <a:extLst>
+              <a:ext uri="{FF2B5EF4-FFF2-40B4-BE49-F238E27FC236}">
+                <a16:creationId xmlns:a16="http://schemas.microsoft.com/office/drawing/2014/main" id="{2EE0C2ED-FADE-1B43-963B-4F82699B23C1}"/>
+              </a:ext>
+            </a:extLst>
+          </p:cNvPr>
+          <p:cNvSpPr>
+            <a:spLocks noGrp="1"/>
+          </p:cNvSpPr>
+          <p:nvPr>
+            <p:ph type="ftr" sz="quarter" idx="3"/>
+          </p:nvPr>
+        </p:nvSpPr>
+        <p:spPr>
+          <a:xfrm>
+            <a:off x="3028950" y="6356351"/>
+            <a:ext cx="3086100" cy="365125"/>
+          </a:xfrm>
+        </p:spPr>
+        <p:txBody>
+          <a:bodyPr/>
+          <a:lstStyle/>
+          <a:p>
+            <a:r>
+              <a:rPr lang="en-US"/>
+              <a:t>Kwartler</a:t>
+            </a:r>
+            <a:endParaRPr lang="en-US" dirty="0"/>
+          </a:p>
+        </p:txBody>
+      </p:sp>
     </p:spTree>
     <p:extLst>
       <p:ext uri="{BB962C8B-B14F-4D97-AF65-F5344CB8AC3E}">
@@ -16823,7 +16861,7 @@
             <a:fld id="{6700A58B-DD98-43D0-B791-721480A02982}" type="datetime1">
               <a:rPr lang="en-US" smtClean="0"/>
               <a:pPr/>
-              <a:t>6/3/20</a:t>
+              <a:t>1/2/21</a:t>
             </a:fld>
             <a:endParaRPr lang="en-US"/>
           </a:p>
@@ -16847,29 +16885,6 @@
             <a:r>
               <a:rPr lang="en-US"/>
               <a:t>Linear Regression for continuous outcomes</a:t>
-            </a:r>
-            <a:endParaRPr lang="en-US" dirty="0"/>
-          </a:p>
-        </p:txBody>
-      </p:sp>
-      <p:sp>
-        <p:nvSpPr>
-          <p:cNvPr id="5" name="Footer Placeholder 4"/>
-          <p:cNvSpPr>
-            <a:spLocks noGrp="1"/>
-          </p:cNvSpPr>
-          <p:nvPr>
-            <p:ph type="ftr" sz="quarter" idx="3"/>
-          </p:nvPr>
-        </p:nvSpPr>
-        <p:spPr/>
-        <p:txBody>
-          <a:bodyPr/>
-          <a:lstStyle/>
-          <a:p>
-            <a:r>
-              <a:rPr lang="en-US"/>
-              <a:t>Kwartler CSCI S-96</a:t>
             </a:r>
             <a:endParaRPr lang="en-US" dirty="0"/>
           </a:p>
@@ -17299,6 +17314,40 @@
           </a:fontRef>
         </p:style>
       </p:cxnSp>
+      <p:sp>
+        <p:nvSpPr>
+          <p:cNvPr id="14" name="Footer Placeholder 3">
+            <a:extLst>
+              <a:ext uri="{FF2B5EF4-FFF2-40B4-BE49-F238E27FC236}">
+                <a16:creationId xmlns:a16="http://schemas.microsoft.com/office/drawing/2014/main" id="{BC5E19B5-3C1F-1844-8A05-71C778AAFD42}"/>
+              </a:ext>
+            </a:extLst>
+          </p:cNvPr>
+          <p:cNvSpPr>
+            <a:spLocks noGrp="1"/>
+          </p:cNvSpPr>
+          <p:nvPr>
+            <p:ph type="ftr" sz="quarter" idx="3"/>
+          </p:nvPr>
+        </p:nvSpPr>
+        <p:spPr>
+          <a:xfrm>
+            <a:off x="3028950" y="6356351"/>
+            <a:ext cx="3086100" cy="365125"/>
+          </a:xfrm>
+        </p:spPr>
+        <p:txBody>
+          <a:bodyPr/>
+          <a:lstStyle/>
+          <a:p>
+            <a:r>
+              <a:rPr lang="en-US"/>
+              <a:t>Kwartler</a:t>
+            </a:r>
+            <a:endParaRPr lang="en-US" dirty="0"/>
+          </a:p>
+        </p:txBody>
+      </p:sp>
     </p:spTree>
     <p:extLst>
       <p:ext uri="{BB962C8B-B14F-4D97-AF65-F5344CB8AC3E}">
